--- a/presentation/Inequality by Demographic Factors_NoTheory_3.pptx
+++ b/presentation/Inequality by Demographic Factors_NoTheory_3.pptx
@@ -154,7 +154,7 @@
   </p:defaultTextStyle>
   <p:extLst>
     <p:ext uri="{EFAFB233-063F-42B5-8137-9DF3F51BA10A}">
-      <p15:sldGuideLst xmlns:p15="http://schemas.microsoft.com/office/powerpoint/2012/main" xmlns="">
+      <p15:sldGuideLst xmlns="" xmlns:p15="http://schemas.microsoft.com/office/powerpoint/2012/main">
         <p15:guide id="1" orient="horz" pos="2160">
           <p15:clr>
             <a:srgbClr val="A4A3A4"/>
@@ -168,7 +168,7 @@
       </p15:sldGuideLst>
     </p:ext>
     <p:ext uri="{2D200454-40CA-4A62-9FC3-DE9A4176ACB9}">
-      <p15:notesGuideLst xmlns:p15="http://schemas.microsoft.com/office/powerpoint/2012/main" xmlns="">
+      <p15:notesGuideLst xmlns="" xmlns:p15="http://schemas.microsoft.com/office/powerpoint/2012/main">
         <p15:guide id="1" orient="horz" pos="3132">
           <p15:clr>
             <a:srgbClr val="A4A3A4"/>
@@ -282,7 +282,7 @@
           <a:p>
             <a:fld id="{EFA0D184-D464-48E9-9CA0-A94E873F6C2C}" type="datetimeFigureOut">
               <a:rPr lang="de-CH" smtClean="0"/>
-              <a:t>21.10.2014</a:t>
+              <a:t>22.10.2014</a:t>
             </a:fld>
             <a:endParaRPr lang="de-CH" dirty="0"/>
           </a:p>
@@ -447,7 +447,7 @@
           <a:p>
             <a:fld id="{5AF2B663-2BA9-4D7E-8201-5DE4109E1EDD}" type="datetimeFigureOut">
               <a:rPr lang="de-CH" smtClean="0"/>
-              <a:t>21.10.2014</a:t>
+              <a:t>22.10.2014</a:t>
             </a:fld>
             <a:endParaRPr lang="de-CH" dirty="0"/>
           </a:p>
@@ -9001,18 +9001,21 @@
             </a:r>
             <a:r>
               <a:rPr lang="en-US" i="1" dirty="0"/>
-              <a:t>on average (</a:t>
-            </a:r>
-            <a:r>
-              <a:rPr lang="en-US" sz="1400" i="1" dirty="0" smtClean="0"/>
-              <a:t>pronunciation of between group differences)</a:t>
-            </a:r>
-            <a:endParaRPr lang="de-CH" sz="1400" i="1" dirty="0" smtClean="0"/>
+              <a:t>on average </a:t>
+            </a:r>
+            <a:r>
+              <a:rPr lang="en-US" i="1" dirty="0" smtClean="0"/>
+              <a:t>(</a:t>
+            </a:r>
           </a:p>
           <a:p>
             <a:r>
               <a:rPr lang="de-CH" i="1" dirty="0" smtClean="0"/>
-              <a:t>But: </a:t>
+              <a:t>But</a:t>
+            </a:r>
+            <a:r>
+              <a:rPr lang="de-CH" i="1" dirty="0" smtClean="0"/>
+              <a:t>: </a:t>
             </a:r>
             <a:r>
               <a:rPr lang="en-US" i="1" dirty="0" smtClean="0"/>
@@ -9662,25 +9665,25 @@
           <p:nvPr>
             <p:extLst>
               <p:ext uri="{D42A27DB-BD31-4B8C-83A1-F6EECF244321}">
-                <p14:modId xmlns:p14="http://schemas.microsoft.com/office/powerpoint/2010/main" val="1012156205"/>
+                <p14:modId xmlns:p14="http://schemas.microsoft.com/office/powerpoint/2010/main" val="1298154628"/>
               </p:ext>
             </p:extLst>
           </p:nvPr>
         </p:nvGraphicFramePr>
         <p:xfrm>
           <a:off x="3794125" y="2586038"/>
-          <a:ext cx="4057650" cy="2505075"/>
+          <a:ext cx="4057650" cy="2962275"/>
         </p:xfrm>
         <a:graphic>
           <a:graphicData uri="http://schemas.openxmlformats.org/presentationml/2006/ole">
             <mc:AlternateContent xmlns:mc="http://schemas.openxmlformats.org/markup-compatibility/2006">
               <mc:Choice xmlns:v="urn:schemas-microsoft-com:vml" Requires="v">
-                <p:oleObj spid="_x0000_s12295" name="Worksheet" r:id="rId5" imgW="4057667" imgH="2505143" progId="Excel.Sheet.12">
+                <p:oleObj spid="_x0000_s12297" name="Worksheet" r:id="rId4" imgW="4057667" imgH="2962343" progId="Excel.Sheet.12">
                   <p:embed/>
                 </p:oleObj>
               </mc:Choice>
               <mc:Fallback>
-                <p:oleObj name="Worksheet" r:id="rId5" imgW="4057667" imgH="2505143" progId="Excel.Sheet.12">
+                <p:oleObj name="Worksheet" r:id="rId4" imgW="4057667" imgH="2962343" progId="Excel.Sheet.12">
                   <p:embed/>
                   <p:pic>
                     <p:nvPicPr>
@@ -9689,7 +9692,7 @@
                       <p:nvPr/>
                     </p:nvPicPr>
                     <p:blipFill>
-                      <a:blip r:embed="rId6"/>
+                      <a:blip r:embed="rId5"/>
                       <a:stretch>
                         <a:fillRect/>
                       </a:stretch>
@@ -9697,7 +9700,7 @@
                     <p:spPr>
                       <a:xfrm>
                         <a:off x="3794125" y="2586038"/>
-                        <a:ext cx="4057650" cy="2505075"/>
+                        <a:ext cx="4057650" cy="2962275"/>
                       </a:xfrm>
                       <a:prstGeom prst="rect">
                         <a:avLst/>
@@ -10650,35 +10653,27 @@
                 <a:latin typeface="Lucida Sans"/>
                 <a:ea typeface="MS PGothic"/>
               </a:rPr>
-              <a:t>Indeed, inequality rose for working people and decreased for retired while</a:t>
-            </a:r>
-            <a:endParaRPr lang="en-US" dirty="0" smtClean="0"/>
-          </a:p>
-          <a:p>
-            <a:pPr>
-              <a:lnSpc>
-                <a:spcPct val="100000"/>
-              </a:lnSpc>
-            </a:pPr>
-            <a:r>
-              <a:rPr lang="de-DE" sz="1700" dirty="0">
+              <a:t>Indeed, </a:t>
+            </a:r>
+            <a:r>
+              <a:rPr lang="en-US" sz="1700" dirty="0" smtClean="0">
                 <a:solidFill>
                   <a:srgbClr val="000000"/>
                 </a:solidFill>
                 <a:latin typeface="Lucida Sans"/>
                 <a:ea typeface="MS PGothic"/>
               </a:rPr>
-              <a:t> </a:t>
-            </a:r>
-            <a:r>
-              <a:rPr lang="de-DE" sz="1700" dirty="0" smtClean="0">
+              <a:t>people within workforce and retired gained on </a:t>
+            </a:r>
+            <a:r>
+              <a:rPr lang="en-US" sz="1700" dirty="0" smtClean="0">
                 <a:solidFill>
                   <a:srgbClr val="000000"/>
                 </a:solidFill>
                 <a:latin typeface="Lucida Sans"/>
                 <a:ea typeface="MS PGothic"/>
               </a:rPr>
-              <a:t>   </a:t>
+              <a:t>average, </a:t>
             </a:r>
             <a:r>
               <a:rPr lang="en-US" sz="1700" dirty="0" smtClean="0">
@@ -10688,76 +10683,23 @@
                 <a:latin typeface="Lucida Sans"/>
                 <a:ea typeface="MS PGothic"/>
               </a:rPr>
-              <a:t>median incomes rose for retired people only</a:t>
-            </a:r>
-          </a:p>
-          <a:p>
-            <a:pPr>
-              <a:lnSpc>
-                <a:spcPct val="100000"/>
-              </a:lnSpc>
-            </a:pPr>
-            <a:r>
-              <a:rPr lang="de-DE" sz="1700" dirty="0" smtClean="0">
+              <a:t>while</a:t>
+            </a:r>
+            <a:r>
+              <a:rPr lang="en-US" dirty="0" smtClean="0"/>
+              <a:t> </a:t>
+            </a:r>
+            <a:r>
+              <a:rPr lang="en-US" sz="1700" dirty="0" smtClean="0">
                 <a:solidFill>
                   <a:srgbClr val="000000"/>
                 </a:solidFill>
                 <a:latin typeface="Lucida Sans"/>
                 <a:ea typeface="MS PGothic"/>
               </a:rPr>
-              <a:t>→ </a:t>
-            </a:r>
-            <a:r>
-              <a:rPr lang="en-US" sz="1700" dirty="0" smtClean="0">
-                <a:solidFill>
-                  <a:srgbClr val="000000"/>
-                </a:solidFill>
-                <a:latin typeface="Lucida Sans"/>
-                <a:ea typeface="MS PGothic"/>
-              </a:rPr>
-              <a:t>Overall </a:t>
-            </a:r>
-            <a:r>
-              <a:rPr lang="en-US" sz="1700" dirty="0">
-                <a:solidFill>
-                  <a:srgbClr val="000000"/>
-                </a:solidFill>
-                <a:latin typeface="Lucida Sans"/>
-                <a:ea typeface="MS PGothic"/>
-              </a:rPr>
-              <a:t>inequality is strongly affected </a:t>
-            </a:r>
-            <a:r>
-              <a:rPr lang="en-US" sz="1700" dirty="0" smtClean="0">
-                <a:solidFill>
-                  <a:srgbClr val="000000"/>
-                </a:solidFill>
-                <a:latin typeface="Lucida Sans"/>
-                <a:ea typeface="MS PGothic"/>
-              </a:rPr>
-              <a:t>(61</a:t>
-            </a:r>
-            <a:r>
-              <a:rPr lang="en-US" sz="1700" dirty="0">
-                <a:solidFill>
-                  <a:srgbClr val="000000"/>
-                </a:solidFill>
-                <a:latin typeface="Lucida Sans"/>
-                <a:ea typeface="MS PGothic"/>
-              </a:rPr>
-              <a:t>%) by inequality within workforce (25-65). </a:t>
-            </a:r>
-            <a:r>
-              <a:rPr lang="en-US" sz="1700" dirty="0" smtClean="0">
-                <a:solidFill>
-                  <a:srgbClr val="000000"/>
-                </a:solidFill>
-                <a:latin typeface="Lucida Sans"/>
-                <a:ea typeface="MS PGothic"/>
-              </a:rPr>
-              <a:t>Rising Trend.</a:t>
-            </a:r>
-            <a:endParaRPr lang="en-US" sz="1700" dirty="0">
+              <a:t>young adults lost (groups diverge).</a:t>
+            </a:r>
+            <a:endParaRPr lang="en-US" sz="1700" dirty="0" smtClean="0">
               <a:solidFill>
                 <a:srgbClr val="000000"/>
               </a:solidFill>
@@ -10766,9 +10708,13 @@
             </a:endParaRPr>
           </a:p>
           <a:p>
-            <a:pPr marL="0" lvl="1"/>
-            <a:r>
-              <a:rPr lang="de-DE" sz="1700" dirty="0">
+            <a:pPr>
+              <a:lnSpc>
+                <a:spcPct val="100000"/>
+              </a:lnSpc>
+            </a:pPr>
+            <a:r>
+              <a:rPr lang="de-DE" sz="1700" dirty="0" smtClean="0">
                 <a:solidFill>
                   <a:srgbClr val="000000"/>
                 </a:solidFill>
@@ -10785,7 +10731,84 @@
                 <a:latin typeface="Lucida Sans"/>
                 <a:ea typeface="MS PGothic"/>
               </a:rPr>
-              <a:t>Ageing </a:t>
+              <a:t>Overall </a:t>
+            </a:r>
+            <a:r>
+              <a:rPr lang="en-US" sz="1700" dirty="0">
+                <a:solidFill>
+                  <a:srgbClr val="000000"/>
+                </a:solidFill>
+                <a:latin typeface="Lucida Sans"/>
+                <a:ea typeface="MS PGothic"/>
+              </a:rPr>
+              <a:t>inequality is strongly affected </a:t>
+            </a:r>
+            <a:r>
+              <a:rPr lang="en-US" sz="1700" dirty="0" smtClean="0">
+                <a:solidFill>
+                  <a:srgbClr val="000000"/>
+                </a:solidFill>
+                <a:latin typeface="Lucida Sans"/>
+                <a:ea typeface="MS PGothic"/>
+              </a:rPr>
+              <a:t>(61</a:t>
+            </a:r>
+            <a:r>
+              <a:rPr lang="en-US" sz="1700" dirty="0">
+                <a:solidFill>
+                  <a:srgbClr val="000000"/>
+                </a:solidFill>
+                <a:latin typeface="Lucida Sans"/>
+                <a:ea typeface="MS PGothic"/>
+              </a:rPr>
+              <a:t>%) by inequality within workforce (25-65</a:t>
+            </a:r>
+            <a:r>
+              <a:rPr lang="en-US" sz="1700" dirty="0" smtClean="0">
+                <a:solidFill>
+                  <a:srgbClr val="000000"/>
+                </a:solidFill>
+                <a:latin typeface="Lucida Sans"/>
+                <a:ea typeface="MS PGothic"/>
+              </a:rPr>
+              <a:t>).</a:t>
+            </a:r>
+          </a:p>
+          <a:p>
+            <a:pPr>
+              <a:lnSpc>
+                <a:spcPct val="100000"/>
+              </a:lnSpc>
+            </a:pPr>
+            <a:r>
+              <a:rPr lang="en-US" sz="1700" dirty="0" smtClean="0">
+                <a:solidFill>
+                  <a:srgbClr val="000000"/>
+                </a:solidFill>
+                <a:latin typeface="Lucida Sans"/>
+                <a:ea typeface="MS PGothic"/>
+              </a:rPr>
+              <a:t> </a:t>
+            </a:r>
+            <a:r>
+              <a:rPr lang="de-DE" sz="1700" dirty="0" smtClean="0">
+                <a:solidFill>
+                  <a:srgbClr val="000000"/>
+                </a:solidFill>
+                <a:latin typeface="Lucida Sans"/>
+                <a:ea typeface="MS PGothic"/>
+              </a:rPr>
+              <a:t>→ </a:t>
+            </a:r>
+            <a:r>
+              <a:rPr lang="en-US" sz="1700" dirty="0" smtClean="0">
+                <a:solidFill>
+                  <a:srgbClr val="000000"/>
+                </a:solidFill>
+                <a:latin typeface="Lucida Sans"/>
+                <a:ea typeface="MS PGothic"/>
+              </a:rPr>
+              <a:t>Inequality among retired is highest. Ageing </a:t>
             </a:r>
             <a:r>
               <a:rPr lang="en-US" sz="1700" dirty="0">
@@ -10825,7 +10848,17 @@
                 <a:latin typeface="Lucida Sans"/>
                 <a:ea typeface="MS PGothic"/>
               </a:rPr>
-              <a:t>increase of inequality</a:t>
+              <a:t>increase of </a:t>
+            </a:r>
+            <a:r>
+              <a:rPr lang="en-US" sz="1700" dirty="0" smtClean="0">
+                <a:solidFill>
+                  <a:srgbClr val="000000"/>
+                </a:solidFill>
+                <a:latin typeface="Lucida Sans"/>
+                <a:ea typeface="MS PGothic"/>
+              </a:rPr>
+              <a:t>inequality?</a:t>
             </a:r>
             <a:endParaRPr lang="en-US" sz="1700" dirty="0">
               <a:solidFill>
@@ -11398,7 +11431,15 @@
             </a:r>
             <a:r>
               <a:rPr lang="en-US" dirty="0" smtClean="0"/>
-              <a:t>and redistribution (institutional factor). But research on the role of demographic factors is increasingly gaining attention.</a:t>
+              <a:t>and redistribution (institutional factor). But research on the role of demographic factors is </a:t>
+            </a:r>
+            <a:r>
+              <a:rPr lang="en-US" dirty="0" smtClean="0"/>
+              <a:t>gaining </a:t>
+            </a:r>
+            <a:r>
+              <a:rPr lang="en-US" dirty="0" smtClean="0"/>
+              <a:t>attention.</a:t>
             </a:r>
           </a:p>
           <a:p>
@@ -11448,6 +11489,10 @@
               <a:rPr lang="en-US" dirty="0" smtClean="0"/>
               <a:t> et. al, 2011; Daly and Valetta, 2006).</a:t>
             </a:r>
+          </a:p>
+          <a:p>
+            <a:pPr marL="271463" lvl="1" indent="-271463"/>
+            <a:endParaRPr lang="en-US" sz="1600" i="1" dirty="0" smtClean="0"/>
           </a:p>
           <a:p>
             <a:pPr marL="271463" lvl="1" indent="-271463"/>
@@ -14761,7 +14806,7 @@
           <a:graphicData uri="http://schemas.openxmlformats.org/presentationml/2006/ole">
             <mc:AlternateContent xmlns:mc="http://schemas.openxmlformats.org/markup-compatibility/2006">
               <mc:Choice xmlns:v="urn:schemas-microsoft-com:vml" Requires="v">
-                <p:oleObj spid="_x0000_s9235" name="Worksheet" r:id="rId4" imgW="4057667" imgH="1438343" progId="Excel.Sheet.12">
+                <p:oleObj spid="_x0000_s9237" name="Worksheet" r:id="rId4" imgW="4057667" imgH="1438343" progId="Excel.Sheet.12">
                   <p:embed/>
                 </p:oleObj>
               </mc:Choice>
@@ -15729,7 +15774,15 @@
           <a:p>
             <a:r>
               <a:rPr lang="en-US" i="1" dirty="0" smtClean="0"/>
-              <a:t>But: Inequality within workforce and especially among young adults increased</a:t>
+              <a:t>But: Inequality within workforce and </a:t>
+            </a:r>
+            <a:r>
+              <a:rPr lang="en-US" i="1" dirty="0" smtClean="0"/>
+              <a:t>among </a:t>
+            </a:r>
+            <a:r>
+              <a:rPr lang="en-US" i="1" dirty="0" smtClean="0"/>
+              <a:t>young adults increased</a:t>
             </a:r>
             <a:endParaRPr lang="en-US" dirty="0" smtClean="0"/>
           </a:p>
@@ -16591,8 +16644,13 @@
           <a:p>
             <a:r>
               <a:rPr lang="en-US" i="1" dirty="0" smtClean="0"/>
-              <a:t>Inequality among Workforce (26-65) contributes most to overall inequality (big group) and relevance of inequality within this age group is rising.</a:t>
-            </a:r>
+              <a:t>Inequality among Workforce (26-65) contributes most to overall inequality (big group) and relevance of inequality within this age group </a:t>
+            </a:r>
+            <a:r>
+              <a:rPr lang="en-US" i="1" dirty="0" smtClean="0"/>
+              <a:t>did rise.</a:t>
+            </a:r>
+            <a:endParaRPr lang="en-US" i="1" dirty="0" smtClean="0"/>
           </a:p>
           <a:p>
             <a:r>
@@ -16638,12 +16696,12 @@
           <a:graphicData uri="http://schemas.openxmlformats.org/presentationml/2006/ole">
             <mc:AlternateContent xmlns:mc="http://schemas.openxmlformats.org/markup-compatibility/2006">
               <mc:Choice xmlns:v="urn:schemas-microsoft-com:vml" Requires="v">
-                <p:oleObj spid="_x0000_s4151" name="Worksheet" r:id="rId5" imgW="4391011" imgH="2247900" progId="Excel.Sheet.12">
+                <p:oleObj spid="_x0000_s4153" name="Worksheet" r:id="rId4" imgW="4391011" imgH="2247900" progId="Excel.Sheet.12">
                   <p:embed/>
                 </p:oleObj>
               </mc:Choice>
               <mc:Fallback>
-                <p:oleObj name="Worksheet" r:id="rId5" imgW="4391011" imgH="2247900" progId="Excel.Sheet.12">
+                <p:oleObj name="Worksheet" r:id="rId4" imgW="4391011" imgH="2247900" progId="Excel.Sheet.12">
                   <p:embed/>
                   <p:pic>
                     <p:nvPicPr>
@@ -16652,7 +16710,7 @@
                       <p:nvPr/>
                     </p:nvPicPr>
                     <p:blipFill>
-                      <a:blip r:embed="rId6"/>
+                      <a:blip r:embed="rId5"/>
                       <a:stretch>
                         <a:fillRect/>
                       </a:stretch>
@@ -16992,12 +17050,12 @@
           <a:graphicData uri="http://schemas.openxmlformats.org/presentationml/2006/ole">
             <mc:AlternateContent xmlns:mc="http://schemas.openxmlformats.org/markup-compatibility/2006">
               <mc:Choice xmlns:v="urn:schemas-microsoft-com:vml" Requires="v">
-                <p:oleObj spid="_x0000_s3142" name="Worksheet" r:id="rId5" imgW="3952855" imgH="2505143" progId="Excel.Sheet.12">
+                <p:oleObj spid="_x0000_s3144" name="Worksheet" r:id="rId4" imgW="3952855" imgH="2505143" progId="Excel.Sheet.12">
                   <p:embed/>
                 </p:oleObj>
               </mc:Choice>
               <mc:Fallback>
-                <p:oleObj name="Worksheet" r:id="rId5" imgW="3952855" imgH="2505143" progId="Excel.Sheet.12">
+                <p:oleObj name="Worksheet" r:id="rId4" imgW="3952855" imgH="2505143" progId="Excel.Sheet.12">
                   <p:embed/>
                   <p:pic>
                     <p:nvPicPr>
@@ -17006,7 +17064,7 @@
                       <p:nvPr/>
                     </p:nvPicPr>
                     <p:blipFill>
-                      <a:blip r:embed="rId6"/>
+                      <a:blip r:embed="rId5"/>
                       <a:stretch>
                         <a:fillRect/>
                       </a:stretch>
@@ -18090,21 +18148,6 @@
 </file>
 
 <file path=customXml/item1.xml><?xml version="1.0" encoding="utf-8"?>
-<p:properties xmlns:p="http://schemas.microsoft.com/office/2006/metadata/properties" xmlns:xsi="http://www.w3.org/2001/XMLSchema-instance">
-  <documentManagement/>
-</p:properties>
-</file>
-
-<file path=customXml/item2.xml><?xml version="1.0" encoding="utf-8"?>
-<?mso-contentType ?>
-<FormTemplates xmlns="http://schemas.microsoft.com/sharepoint/v3/contenttype/forms">
-  <Display>DocumentLibraryForm</Display>
-  <Edit>DocumentLibraryForm</Edit>
-  <New>DocumentLibraryForm</New>
-</FormTemplates>
-</file>
-
-<file path=customXml/item3.xml><?xml version="1.0" encoding="utf-8"?>
 <ct:contentTypeSchema xmlns:ct="http://schemas.microsoft.com/office/2006/metadata/contentType" xmlns:ma="http://schemas.microsoft.com/office/2006/metadata/properties/metaAttributes" ct:_="" ma:_="" ma:contentTypeName="Dokument" ma:contentTypeID="0x01010055129612D1B29A4693F2F62632063D6A" ma:contentTypeVersion="0" ma:contentTypeDescription="Ein neues Dokument erstellen." ma:contentTypeScope="" ma:versionID="fba8d20abbd965724d3439c9b926458f">
   <xsd:schema xmlns:xsd="http://www.w3.org/2001/XMLSchema" xmlns:xs="http://www.w3.org/2001/XMLSchema" xmlns:p="http://schemas.microsoft.com/office/2006/metadata/properties" targetNamespace="http://schemas.microsoft.com/office/2006/metadata/properties" ma:root="true" ma:fieldsID="246f02dd96380beb4f7cdcce14d77fd6">
     <xsd:element name="properties">
@@ -18218,17 +18261,33 @@
 </ct:contentTypeSchema>
 </file>
 
+<file path=customXml/item2.xml><?xml version="1.0" encoding="utf-8"?>
+<?mso-contentType ?>
+<FormTemplates xmlns="http://schemas.microsoft.com/sharepoint/v3/contenttype/forms">
+  <Display>DocumentLibraryForm</Display>
+  <Edit>DocumentLibraryForm</Edit>
+  <New>DocumentLibraryForm</New>
+</FormTemplates>
+</file>
+
+<file path=customXml/item3.xml><?xml version="1.0" encoding="utf-8"?>
+<p:properties xmlns:p="http://schemas.microsoft.com/office/2006/metadata/properties" xmlns:xsi="http://www.w3.org/2001/XMLSchema-instance">
+  <documentManagement/>
+</p:properties>
+</file>
+
 <file path=customXml/itemProps1.xml><?xml version="1.0" encoding="utf-8"?>
-<ds:datastoreItem xmlns:ds="http://schemas.openxmlformats.org/officeDocument/2006/customXml" ds:itemID="{B470C3CE-871E-471D-827D-756DC4BA1786}">
+<ds:datastoreItem xmlns:ds="http://schemas.openxmlformats.org/officeDocument/2006/customXml" ds:itemID="{581BF47C-2126-4B8C-8663-51154515DD2F}">
   <ds:schemaRefs>
-    <ds:schemaRef ds:uri="http://schemas.microsoft.com/office/2006/documentManagement/types"/>
-    <ds:schemaRef ds:uri="http://purl.org/dc/dcmitype/"/>
+    <ds:schemaRef ds:uri="http://schemas.microsoft.com/office/2006/metadata/contentType"/>
+    <ds:schemaRef ds:uri="http://schemas.microsoft.com/office/2006/metadata/properties/metaAttributes"/>
+    <ds:schemaRef ds:uri="http://www.w3.org/2001/XMLSchema"/>
+    <ds:schemaRef ds:uri="http://schemas.microsoft.com/office/2006/metadata/properties"/>
+    <ds:schemaRef ds:uri="http://schemas.openxmlformats.org/package/2006/metadata/core-properties"/>
+    <ds:schemaRef ds:uri="http://purl.org/dc/elements/1.1/"/>
     <ds:schemaRef ds:uri="http://purl.org/dc/terms/"/>
-    <ds:schemaRef ds:uri="http://www.w3.org/XML/1998/namespace"/>
-    <ds:schemaRef ds:uri="http://purl.org/dc/elements/1.1/"/>
+    <ds:schemaRef ds:uri="http://schemas.microsoft.com/internal/obd"/>
     <ds:schemaRef ds:uri="http://schemas.microsoft.com/office/infopath/2007/PartnerControls"/>
-    <ds:schemaRef ds:uri="http://schemas.openxmlformats.org/package/2006/metadata/core-properties"/>
-    <ds:schemaRef ds:uri="http://schemas.microsoft.com/office/2006/metadata/properties"/>
   </ds:schemaRefs>
 </ds:datastoreItem>
 </file>
@@ -18242,17 +18301,16 @@
 </file>
 
 <file path=customXml/itemProps3.xml><?xml version="1.0" encoding="utf-8"?>
-<ds:datastoreItem xmlns:ds="http://schemas.openxmlformats.org/officeDocument/2006/customXml" ds:itemID="{581BF47C-2126-4B8C-8663-51154515DD2F}">
+<ds:datastoreItem xmlns:ds="http://schemas.openxmlformats.org/officeDocument/2006/customXml" ds:itemID="{B470C3CE-871E-471D-827D-756DC4BA1786}">
   <ds:schemaRefs>
-    <ds:schemaRef ds:uri="http://schemas.microsoft.com/office/2006/metadata/contentType"/>
-    <ds:schemaRef ds:uri="http://schemas.microsoft.com/office/2006/metadata/properties/metaAttributes"/>
-    <ds:schemaRef ds:uri="http://www.w3.org/2001/XMLSchema"/>
+    <ds:schemaRef ds:uri="http://schemas.microsoft.com/office/2006/documentManagement/types"/>
+    <ds:schemaRef ds:uri="http://purl.org/dc/dcmitype/"/>
+    <ds:schemaRef ds:uri="http://purl.org/dc/terms/"/>
+    <ds:schemaRef ds:uri="http://www.w3.org/XML/1998/namespace"/>
+    <ds:schemaRef ds:uri="http://purl.org/dc/elements/1.1/"/>
+    <ds:schemaRef ds:uri="http://schemas.microsoft.com/office/infopath/2007/PartnerControls"/>
+    <ds:schemaRef ds:uri="http://schemas.openxmlformats.org/package/2006/metadata/core-properties"/>
     <ds:schemaRef ds:uri="http://schemas.microsoft.com/office/2006/metadata/properties"/>
-    <ds:schemaRef ds:uri="http://schemas.openxmlformats.org/package/2006/metadata/core-properties"/>
-    <ds:schemaRef ds:uri="http://purl.org/dc/elements/1.1/"/>
-    <ds:schemaRef ds:uri="http://purl.org/dc/terms/"/>
-    <ds:schemaRef ds:uri="http://schemas.microsoft.com/internal/obd"/>
-    <ds:schemaRef ds:uri="http://schemas.microsoft.com/office/infopath/2007/PartnerControls"/>
   </ds:schemaRefs>
 </ds:datastoreItem>
 </file>